--- a/Figures/figure_S_splam_spliceai10kNs_dot_plot/figure_S_splam_spliceai10kNs_dot_plot.pptx
+++ b/Figures/figure_S_splam_spliceai10kNs_dot_plot/figure_S_splam_spliceai10kNs_dot_plot.pptx
@@ -197,7 +197,7 @@
           <a:p>
             <a:fld id="{ABD72DE5-B6EE-E147-A976-7400C289695F}" type="datetimeFigureOut">
               <a:rPr lang="en-US" smtClean="0"/>
-              <a:t>5/24/23</a:t>
+              <a:t>7/18/23</a:t>
             </a:fld>
             <a:endParaRPr lang="en-US"/>
           </a:p>
@@ -684,7 +684,7 @@
           <a:p>
             <a:fld id="{5829EFD3-DAAF-1A4D-98F0-A61E9156FD54}" type="datetimeFigureOut">
               <a:rPr lang="en-US" smtClean="0"/>
-              <a:t>5/24/23</a:t>
+              <a:t>7/18/23</a:t>
             </a:fld>
             <a:endParaRPr lang="en-US"/>
           </a:p>
@@ -854,7 +854,7 @@
           <a:p>
             <a:fld id="{5829EFD3-DAAF-1A4D-98F0-A61E9156FD54}" type="datetimeFigureOut">
               <a:rPr lang="en-US" smtClean="0"/>
-              <a:t>5/24/23</a:t>
+              <a:t>7/18/23</a:t>
             </a:fld>
             <a:endParaRPr lang="en-US"/>
           </a:p>
@@ -1034,7 +1034,7 @@
           <a:p>
             <a:fld id="{5829EFD3-DAAF-1A4D-98F0-A61E9156FD54}" type="datetimeFigureOut">
               <a:rPr lang="en-US" smtClean="0"/>
-              <a:t>5/24/23</a:t>
+              <a:t>7/18/23</a:t>
             </a:fld>
             <a:endParaRPr lang="en-US"/>
           </a:p>
@@ -1204,7 +1204,7 @@
           <a:p>
             <a:fld id="{5829EFD3-DAAF-1A4D-98F0-A61E9156FD54}" type="datetimeFigureOut">
               <a:rPr lang="en-US" smtClean="0"/>
-              <a:t>5/24/23</a:t>
+              <a:t>7/18/23</a:t>
             </a:fld>
             <a:endParaRPr lang="en-US"/>
           </a:p>
@@ -1448,7 +1448,7 @@
           <a:p>
             <a:fld id="{5829EFD3-DAAF-1A4D-98F0-A61E9156FD54}" type="datetimeFigureOut">
               <a:rPr lang="en-US" smtClean="0"/>
-              <a:t>5/24/23</a:t>
+              <a:t>7/18/23</a:t>
             </a:fld>
             <a:endParaRPr lang="en-US"/>
           </a:p>
@@ -1680,7 +1680,7 @@
           <a:p>
             <a:fld id="{5829EFD3-DAAF-1A4D-98F0-A61E9156FD54}" type="datetimeFigureOut">
               <a:rPr lang="en-US" smtClean="0"/>
-              <a:t>5/24/23</a:t>
+              <a:t>7/18/23</a:t>
             </a:fld>
             <a:endParaRPr lang="en-US"/>
           </a:p>
@@ -2047,7 +2047,7 @@
           <a:p>
             <a:fld id="{5829EFD3-DAAF-1A4D-98F0-A61E9156FD54}" type="datetimeFigureOut">
               <a:rPr lang="en-US" smtClean="0"/>
-              <a:t>5/24/23</a:t>
+              <a:t>7/18/23</a:t>
             </a:fld>
             <a:endParaRPr lang="en-US"/>
           </a:p>
@@ -2165,7 +2165,7 @@
           <a:p>
             <a:fld id="{5829EFD3-DAAF-1A4D-98F0-A61E9156FD54}" type="datetimeFigureOut">
               <a:rPr lang="en-US" smtClean="0"/>
-              <a:t>5/24/23</a:t>
+              <a:t>7/18/23</a:t>
             </a:fld>
             <a:endParaRPr lang="en-US"/>
           </a:p>
@@ -2260,7 +2260,7 @@
           <a:p>
             <a:fld id="{5829EFD3-DAAF-1A4D-98F0-A61E9156FD54}" type="datetimeFigureOut">
               <a:rPr lang="en-US" smtClean="0"/>
-              <a:t>5/24/23</a:t>
+              <a:t>7/18/23</a:t>
             </a:fld>
             <a:endParaRPr lang="en-US"/>
           </a:p>
@@ -2537,7 +2537,7 @@
           <a:p>
             <a:fld id="{5829EFD3-DAAF-1A4D-98F0-A61E9156FD54}" type="datetimeFigureOut">
               <a:rPr lang="en-US" smtClean="0"/>
-              <a:t>5/24/23</a:t>
+              <a:t>7/18/23</a:t>
             </a:fld>
             <a:endParaRPr lang="en-US"/>
           </a:p>
@@ -2794,7 +2794,7 @@
           <a:p>
             <a:fld id="{5829EFD3-DAAF-1A4D-98F0-A61E9156FD54}" type="datetimeFigureOut">
               <a:rPr lang="en-US" smtClean="0"/>
-              <a:t>5/24/23</a:t>
+              <a:t>7/18/23</a:t>
             </a:fld>
             <a:endParaRPr lang="en-US"/>
           </a:p>
@@ -3007,7 +3007,7 @@
           <a:p>
             <a:fld id="{5829EFD3-DAAF-1A4D-98F0-A61E9156FD54}" type="datetimeFigureOut">
               <a:rPr lang="en-US" smtClean="0"/>
-              <a:t>5/24/23</a:t>
+              <a:t>7/18/23</a:t>
             </a:fld>
             <a:endParaRPr lang="en-US"/>
           </a:p>
